--- a/B10432008/類神經網路期末報告_第17組.pptx
+++ b/B10432008/類神經網路期末報告_第17組.pptx
@@ -11,6 +11,7 @@
     <p:sldId id="261" r:id="rId5"/>
     <p:sldId id="267" r:id="rId6"/>
     <p:sldId id="262" r:id="rId7"/>
+    <p:sldId id="283" r:id="rId8"/>
   </p:sldIdLst>
   <p:sldSz cx="12192000" cy="6858000"/>
   <p:notesSz cx="6858000" cy="9144000"/>
@@ -6171,6 +6172,13 @@
   <p:clrMapOvr>
     <a:masterClrMapping/>
   </p:clrMapOvr>
+  <p:timing>
+    <p:tnLst>
+      <p:par>
+        <p:cTn id="1" dur="indefinite" restart="never" nodeType="tmRoot"/>
+      </p:par>
+    </p:tnLst>
+  </p:timing>
 </p:sld>
 </file>
 
@@ -6251,7 +6259,7 @@
         </p:spPr>
         <p:txBody>
           <a:bodyPr>
-            <a:normAutofit fontScale="92500" lnSpcReduction="10000"/>
+            <a:normAutofit/>
           </a:bodyPr>
           <a:lstStyle/>
           <a:p>
@@ -6314,36 +6322,25 @@
           <a:p>
             <a:pPr lvl="1"/>
             <a:r>
+              <a:rPr lang="en-US" altLang="zh-TW" sz="3200" dirty="0" smtClean="0">
+                <a:latin typeface="標楷體" panose="03000509000000000000" pitchFamily="65" charset="-120"/>
+                <a:ea typeface="標楷體" panose="03000509000000000000" pitchFamily="65" charset="-120"/>
+              </a:rPr>
+              <a:t>12</a:t>
+            </a:r>
+            <a:r>
               <a:rPr lang="zh-TW" altLang="en-US" sz="3200" dirty="0" smtClean="0">
-                <a:ea typeface="標楷體" panose="03000509000000000000" pitchFamily="65" charset="-120"/>
-              </a:rPr>
-              <a:t>最短路徑、最少時間、最少花費的</a:t>
-            </a:r>
-            <a:r>
-              <a:rPr lang="en-US" altLang="zh-TW" sz="3200" dirty="0" smtClean="0">
-                <a:ea typeface="標楷體" panose="03000509000000000000" pitchFamily="65" charset="-120"/>
-              </a:rPr>
-              <a:t>mode</a:t>
-            </a:r>
-            <a:endParaRPr lang="en-US" altLang="zh-TW" sz="3200" dirty="0">
-              <a:ea typeface="標楷體" panose="03000509000000000000" pitchFamily="65" charset="-120"/>
-            </a:endParaRPr>
-          </a:p>
-          <a:p>
-            <a:pPr lvl="1"/>
-            <a:r>
-              <a:rPr lang="en-US" altLang="zh-TW" sz="3200" dirty="0">
-                <a:latin typeface="標楷體" panose="03000509000000000000" pitchFamily="65" charset="-120"/>
-                <a:ea typeface="標楷體" panose="03000509000000000000" pitchFamily="65" charset="-120"/>
-              </a:rPr>
-              <a:t>12</a:t>
+                <a:latin typeface="標楷體" panose="03000509000000000000" pitchFamily="65" charset="-120"/>
+                <a:ea typeface="標楷體" panose="03000509000000000000" pitchFamily="65" charset="-120"/>
+              </a:rPr>
+              <a:t> </a:t>
             </a:r>
             <a:r>
               <a:rPr lang="zh-TW" altLang="en-US" sz="3200" dirty="0">
                 <a:latin typeface="標楷體" panose="03000509000000000000" pitchFamily="65" charset="-120"/>
                 <a:ea typeface="標楷體" panose="03000509000000000000" pitchFamily="65" charset="-120"/>
               </a:rPr>
-              <a:t> 模式 </a:t>
+              <a:t>模式 </a:t>
             </a:r>
             <a:r>
               <a:rPr lang="en-US" altLang="zh-TW" sz="3200" dirty="0">
@@ -6415,6 +6412,13 @@
   <p:clrMapOvr>
     <a:masterClrMapping/>
   </p:clrMapOvr>
+  <p:timing>
+    <p:tnLst>
+      <p:par>
+        <p:cTn id="1" dur="indefinite" restart="never" nodeType="tmRoot"/>
+      </p:par>
+    </p:tnLst>
+  </p:timing>
 </p:sld>
 </file>
 
@@ -6639,6 +6643,13 @@
   <p:clrMapOvr>
     <a:masterClrMapping/>
   </p:clrMapOvr>
+  <p:timing>
+    <p:tnLst>
+      <p:par>
+        <p:cTn id="1" dur="indefinite" restart="never" nodeType="tmRoot"/>
+      </p:par>
+    </p:tnLst>
+  </p:timing>
 </p:sld>
 </file>
 
@@ -6705,7 +6716,7 @@
         <p:spPr>
           <a:xfrm>
             <a:off x="838200" y="1540234"/>
-            <a:ext cx="10383175" cy="4955203"/>
+            <a:ext cx="10383175" cy="5447645"/>
           </a:xfrm>
           <a:prstGeom prst="rect">
             <a:avLst/>
@@ -6772,10 +6783,27 @@
               <a:t> </a:t>
             </a:r>
             <a:r>
-              <a:rPr lang="en-US" altLang="zh-TW" sz="3200" smtClean="0"/>
+              <a:rPr lang="en-US" altLang="zh-TW" sz="3200" dirty="0" smtClean="0"/>
               <a:t>789</a:t>
             </a:r>
-            <a:endParaRPr lang="en-US" altLang="zh-TW" sz="3200" dirty="0"/>
+          </a:p>
+          <a:p>
+            <a:r>
+              <a:rPr lang="zh-TW" altLang="en-US" sz="3200" dirty="0" smtClean="0">
+                <a:latin typeface="標楷體" panose="03000509000000000000" pitchFamily="65" charset="-120"/>
+                <a:ea typeface="標楷體" panose="03000509000000000000" pitchFamily="65" charset="-120"/>
+              </a:rPr>
+              <a:t>最佳排名：</a:t>
+            </a:r>
+            <a:r>
+              <a:rPr lang="en-US" altLang="zh-TW" sz="3200" dirty="0" smtClean="0">
+                <a:ea typeface="標楷體" panose="03000509000000000000" pitchFamily="65" charset="-120"/>
+              </a:rPr>
+              <a:t>280</a:t>
+            </a:r>
+            <a:endParaRPr lang="en-US" altLang="zh-TW" sz="3200" dirty="0">
+              <a:ea typeface="標楷體" panose="03000509000000000000" pitchFamily="65" charset="-120"/>
+            </a:endParaRPr>
           </a:p>
           <a:p>
             <a:endParaRPr lang="en-US" altLang="zh-TW" sz="3200" dirty="0"/>
@@ -7033,7 +7061,7 @@
         </p:blipFill>
         <p:spPr>
           <a:xfrm>
-            <a:off x="927475" y="2865797"/>
+            <a:off x="979727" y="3427500"/>
             <a:ext cx="8876771" cy="596179"/>
           </a:xfrm>
           <a:prstGeom prst="rect">
@@ -7081,6 +7109,13 @@
   <p:clrMapOvr>
     <a:masterClrMapping/>
   </p:clrMapOvr>
+  <p:timing>
+    <p:tnLst>
+      <p:par>
+        <p:cTn id="1" dur="indefinite" restart="never" nodeType="tmRoot"/>
+      </p:par>
+    </p:tnLst>
+  </p:timing>
 </p:sld>
 </file>
 
@@ -7416,6 +7451,237 @@
   <p:clrMapOvr>
     <a:masterClrMapping/>
   </p:clrMapOvr>
+  <p:timing>
+    <p:tnLst>
+      <p:par>
+        <p:cTn id="1" dur="indefinite" restart="never" nodeType="tmRoot"/>
+      </p:par>
+    </p:tnLst>
+  </p:timing>
+</p:sld>
+</file>
+
+<file path=ppt/slides/slide7.xml><?xml version="1.0" encoding="utf-8"?>
+<p:sld xmlns:a="http://schemas.openxmlformats.org/drawingml/2006/main" xmlns:r="http://schemas.openxmlformats.org/officeDocument/2006/relationships" xmlns:p="http://schemas.openxmlformats.org/presentationml/2006/main">
+  <p:cSld>
+    <p:spTree>
+      <p:nvGrpSpPr>
+        <p:cNvPr id="1" name=""/>
+        <p:cNvGrpSpPr/>
+        <p:nvPr/>
+      </p:nvGrpSpPr>
+      <p:grpSpPr>
+        <a:xfrm>
+          <a:off x="0" y="0"/>
+          <a:ext cx="0" cy="0"/>
+          <a:chOff x="0" y="0"/>
+          <a:chExt cx="0" cy="0"/>
+        </a:xfrm>
+      </p:grpSpPr>
+      <p:sp>
+        <p:nvSpPr>
+          <p:cNvPr id="2" name="標題 1">
+            <a:extLst>
+              <a:ext uri="{FF2B5EF4-FFF2-40B4-BE49-F238E27FC236}">
+                <a16:creationId xmlns:a16="http://schemas.microsoft.com/office/drawing/2014/main" id="{30EAFCF6-C116-4FBE-AAD8-61B1C26F3BE8}"/>
+              </a:ext>
+            </a:extLst>
+          </p:cNvPr>
+          <p:cNvSpPr>
+            <a:spLocks noGrp="1"/>
+          </p:cNvSpPr>
+          <p:nvPr>
+            <p:ph type="title"/>
+          </p:nvPr>
+        </p:nvSpPr>
+        <p:spPr/>
+        <p:txBody>
+          <a:bodyPr/>
+          <a:lstStyle/>
+          <a:p>
+            <a:r>
+              <a:rPr lang="zh-TW" altLang="en-US" dirty="0" smtClean="0">
+                <a:latin typeface="標楷體" panose="03000509000000000000" pitchFamily="65" charset="-120"/>
+                <a:ea typeface="標楷體" panose="03000509000000000000" pitchFamily="65" charset="-120"/>
+              </a:rPr>
+              <a:t>分工表</a:t>
+            </a:r>
+            <a:endParaRPr lang="zh-TW" altLang="en-US" dirty="0">
+              <a:latin typeface="標楷體" panose="03000509000000000000" pitchFamily="65" charset="-120"/>
+              <a:ea typeface="標楷體" panose="03000509000000000000" pitchFamily="65" charset="-120"/>
+            </a:endParaRPr>
+          </a:p>
+        </p:txBody>
+      </p:sp>
+      <p:sp>
+        <p:nvSpPr>
+          <p:cNvPr id="3" name="內容版面配置區 2">
+            <a:extLst>
+              <a:ext uri="{FF2B5EF4-FFF2-40B4-BE49-F238E27FC236}">
+                <a16:creationId xmlns:a16="http://schemas.microsoft.com/office/drawing/2014/main" id="{91FE347D-D40E-458A-86A6-E1747A0005CD}"/>
+              </a:ext>
+            </a:extLst>
+          </p:cNvPr>
+          <p:cNvSpPr>
+            <a:spLocks noGrp="1"/>
+          </p:cNvSpPr>
+          <p:nvPr>
+            <p:ph idx="1"/>
+          </p:nvPr>
+        </p:nvSpPr>
+        <p:spPr>
+          <a:xfrm>
+            <a:off x="677334" y="1689534"/>
+            <a:ext cx="8596668" cy="3880773"/>
+          </a:xfrm>
+        </p:spPr>
+        <p:txBody>
+          <a:bodyPr>
+            <a:normAutofit lnSpcReduction="10000"/>
+          </a:bodyPr>
+          <a:lstStyle/>
+          <a:p>
+            <a:pPr>
+              <a:spcBef>
+                <a:spcPts val="1800"/>
+              </a:spcBef>
+            </a:pPr>
+            <a:r>
+              <a:rPr lang="en-US" altLang="zh-TW" sz="3200" dirty="0" smtClean="0">
+                <a:latin typeface="標楷體" panose="03000509000000000000" pitchFamily="65" charset="-120"/>
+                <a:ea typeface="標楷體" panose="03000509000000000000" pitchFamily="65" charset="-120"/>
+              </a:rPr>
+              <a:t>B10432006</a:t>
+            </a:r>
+          </a:p>
+          <a:p>
+            <a:pPr lvl="1">
+              <a:spcBef>
+                <a:spcPts val="1800"/>
+              </a:spcBef>
+            </a:pPr>
+            <a:r>
+              <a:rPr lang="zh-TW" altLang="en-US" sz="3000" dirty="0" smtClean="0">
+                <a:latin typeface="標楷體" panose="03000509000000000000" pitchFamily="65" charset="-120"/>
+                <a:ea typeface="標楷體" panose="03000509000000000000" pitchFamily="65" charset="-120"/>
+              </a:rPr>
+              <a:t>特徵選取、分析</a:t>
+            </a:r>
+            <a:endParaRPr lang="en-US" altLang="zh-TW" sz="3000" dirty="0" smtClean="0">
+              <a:latin typeface="標楷體" panose="03000509000000000000" pitchFamily="65" charset="-120"/>
+              <a:ea typeface="標楷體" panose="03000509000000000000" pitchFamily="65" charset="-120"/>
+            </a:endParaRPr>
+          </a:p>
+          <a:p>
+            <a:pPr>
+              <a:spcBef>
+                <a:spcPts val="1800"/>
+              </a:spcBef>
+            </a:pPr>
+            <a:r>
+              <a:rPr lang="en-US" altLang="zh-TW" sz="3200" dirty="0" smtClean="0">
+                <a:latin typeface="標楷體" panose="03000509000000000000" pitchFamily="65" charset="-120"/>
+                <a:ea typeface="標楷體" panose="03000509000000000000" pitchFamily="65" charset="-120"/>
+              </a:rPr>
+              <a:t>B10432008</a:t>
+            </a:r>
+          </a:p>
+          <a:p>
+            <a:pPr lvl="1">
+              <a:spcBef>
+                <a:spcPts val="1800"/>
+              </a:spcBef>
+            </a:pPr>
+            <a:r>
+              <a:rPr lang="zh-TW" altLang="en-US" sz="3000" dirty="0" smtClean="0">
+                <a:latin typeface="標楷體" panose="03000509000000000000" pitchFamily="65" charset="-120"/>
+                <a:ea typeface="標楷體" panose="03000509000000000000" pitchFamily="65" charset="-120"/>
+              </a:rPr>
+              <a:t>模型建立、參數修正</a:t>
+            </a:r>
+            <a:endParaRPr lang="en-US" altLang="zh-TW" sz="3000" dirty="0">
+              <a:latin typeface="標楷體" panose="03000509000000000000" pitchFamily="65" charset="-120"/>
+              <a:ea typeface="標楷體" panose="03000509000000000000" pitchFamily="65" charset="-120"/>
+            </a:endParaRPr>
+          </a:p>
+          <a:p>
+            <a:pPr>
+              <a:spcBef>
+                <a:spcPts val="1800"/>
+              </a:spcBef>
+            </a:pPr>
+            <a:r>
+              <a:rPr lang="en-US" altLang="zh-TW" sz="3200" dirty="0" smtClean="0">
+                <a:latin typeface="標楷體" panose="03000509000000000000" pitchFamily="65" charset="-120"/>
+                <a:ea typeface="標楷體" panose="03000509000000000000" pitchFamily="65" charset="-120"/>
+              </a:rPr>
+              <a:t>B10432040</a:t>
+            </a:r>
+          </a:p>
+          <a:p>
+            <a:pPr lvl="1">
+              <a:spcBef>
+                <a:spcPts val="1800"/>
+              </a:spcBef>
+            </a:pPr>
+            <a:r>
+              <a:rPr lang="zh-TW" altLang="en-US" sz="3000" dirty="0" smtClean="0">
+                <a:latin typeface="標楷體" panose="03000509000000000000" pitchFamily="65" charset="-120"/>
+                <a:ea typeface="標楷體" panose="03000509000000000000" pitchFamily="65" charset="-120"/>
+              </a:rPr>
+              <a:t>特徵選取、分析，資料預處理</a:t>
+            </a:r>
+            <a:endParaRPr lang="en-US" altLang="zh-TW" sz="3000" dirty="0">
+              <a:latin typeface="標楷體" panose="03000509000000000000" pitchFamily="65" charset="-120"/>
+              <a:ea typeface="標楷體" panose="03000509000000000000" pitchFamily="65" charset="-120"/>
+            </a:endParaRPr>
+          </a:p>
+          <a:p>
+            <a:pPr lvl="1">
+              <a:spcBef>
+                <a:spcPts val="1800"/>
+              </a:spcBef>
+            </a:pPr>
+            <a:endParaRPr lang="en-US" altLang="zh-TW" sz="3000" dirty="0" smtClean="0">
+              <a:latin typeface="標楷體" panose="03000509000000000000" pitchFamily="65" charset="-120"/>
+              <a:ea typeface="標楷體" panose="03000509000000000000" pitchFamily="65" charset="-120"/>
+            </a:endParaRPr>
+          </a:p>
+          <a:p>
+            <a:pPr lvl="1"/>
+            <a:endParaRPr lang="en-US" altLang="zh-TW" dirty="0">
+              <a:latin typeface="標楷體" panose="03000509000000000000" pitchFamily="65" charset="-120"/>
+              <a:ea typeface="標楷體" panose="03000509000000000000" pitchFamily="65" charset="-120"/>
+            </a:endParaRPr>
+          </a:p>
+          <a:p>
+            <a:pPr marL="457200" lvl="1" indent="0">
+              <a:buNone/>
+            </a:pPr>
+            <a:endParaRPr lang="en-US" altLang="zh-TW" dirty="0" smtClean="0">
+              <a:latin typeface="標楷體" panose="03000509000000000000" pitchFamily="65" charset="-120"/>
+              <a:ea typeface="標楷體" panose="03000509000000000000" pitchFamily="65" charset="-120"/>
+            </a:endParaRPr>
+          </a:p>
+        </p:txBody>
+      </p:sp>
+    </p:spTree>
+    <p:extLst>
+      <p:ext uri="{BB962C8B-B14F-4D97-AF65-F5344CB8AC3E}">
+        <p14:creationId xmlns:p14="http://schemas.microsoft.com/office/powerpoint/2010/main" val="1933448217"/>
+      </p:ext>
+    </p:extLst>
+  </p:cSld>
+  <p:clrMapOvr>
+    <a:masterClrMapping/>
+  </p:clrMapOvr>
+  <p:timing>
+    <p:tnLst>
+      <p:par>
+        <p:cTn id="1" dur="indefinite" restart="never" nodeType="tmRoot"/>
+      </p:par>
+    </p:tnLst>
+  </p:timing>
 </p:sld>
 </file>
 
